--- a/Presentation_0325_JiayuChen.pptx
+++ b/Presentation_0325_JiayuChen.pptx
@@ -257,7 +257,7 @@
       <p15:sldGuideLst xmlns:p15="http://schemas.microsoft.com/office/powerpoint/2012/main"/>
     </p:ext>
     <p:ext uri="GoogleSlidesCustomDataVersion2">
-      <go:slidesCustomData xmlns:go="http://customooxmlschemas.google.com/" xmlns:ahyp="http://schemas.microsoft.com/office/drawing/2018/hyperlinkcolor" xmlns:p15="http://schemas.microsoft.com/office/powerpoint/2012/main" xmlns:p14="http://schemas.microsoft.com/office/powerpoint/2010/main" xmlns:com="http://schemas.openxmlformats.org/drawingml/2006/compatibility" xmlns:pvml="urn:schemas-microsoft-com:office:powerpoint" xmlns:v="urn:schemas-microsoft-com:vml" xmlns:o="urn:schemas-microsoft-com:office:office" xmlns:dgm="http://schemas.openxmlformats.org/drawingml/2006/diagram" xmlns:c="http://schemas.openxmlformats.org/drawingml/2006/chart" xmlns:mv="urn:schemas-microsoft-com:mac:vml" xmlns:mc="http://schemas.openxmlformats.org/markup-compatibility/2006" xmlns="" r:id="rId31" roundtripDataSignature="AMtx7mi7AOUiGfioVPTFrFzTi+gJGDXQ/w=="/>
+      <go:slidesCustomData xmlns="" xmlns:mc="http://schemas.openxmlformats.org/markup-compatibility/2006" xmlns:mv="urn:schemas-microsoft-com:mac:vml" xmlns:c="http://schemas.openxmlformats.org/drawingml/2006/chart" xmlns:dgm="http://schemas.openxmlformats.org/drawingml/2006/diagram" xmlns:o="urn:schemas-microsoft-com:office:office" xmlns:v="urn:schemas-microsoft-com:vml" xmlns:pvml="urn:schemas-microsoft-com:office:powerpoint" xmlns:com="http://schemas.openxmlformats.org/drawingml/2006/compatibility" xmlns:p14="http://schemas.microsoft.com/office/powerpoint/2010/main" xmlns:p15="http://schemas.microsoft.com/office/powerpoint/2012/main" xmlns:ahyp="http://schemas.microsoft.com/office/drawing/2018/hyperlinkcolor" xmlns:go="http://customooxmlschemas.google.com/" r:id="rId31" roundtripDataSignature="AMtx7mi7AOUiGfioVPTFrFzTi+gJGDXQ/w=="/>
     </p:ext>
   </p:extLst>
 </p:presentation>
@@ -11681,7 +11681,7 @@
                 </a:solidFill>
                 <a:latin typeface="Consolas"/>
               </a:rPr>
-              <a:t>Describe a non-contact, non-invasive detection system(</a:t>
+              <a:t>Describe a non-contact, non-invasive monitoring system(</a:t>
             </a:r>
             <a:r>
               <a:rPr lang="en-US" altLang="zh-CN" sz="1600" dirty="0" err="1">
@@ -11772,7 +11772,7 @@
                 </a:solidFill>
                 <a:latin typeface="Consolas"/>
               </a:rPr>
-              <a:t>Cons: </a:t>
+              <a:t>Cons:</a:t>
             </a:r>
             <a:r>
               <a:rPr lang="en-US" altLang="zh-CN" sz="1600" dirty="0">
@@ -11781,7 +11781,7 @@
                 </a:solidFill>
                 <a:latin typeface="Consolas"/>
               </a:rPr>
-              <a:t>The algorithm involves numerous details; In Ubicomp, the algorithmic details are not as extensive.</a:t>
+              <a:t> The algorithm involves numerous details; In Ubicomp, the algorithmic details are not as extensive.</a:t>
             </a:r>
           </a:p>
           <a:p>
@@ -11852,25 +11852,7 @@
                 </a:solidFill>
                 <a:latin typeface="Consolas"/>
               </a:rPr>
-              <a:t> The paper focuses on a specific point; The innovation in the algorithm should outweigh that of the </a:t>
-            </a:r>
-            <a:r>
-              <a:rPr lang="en-US" altLang="zh-CN" sz="1600" dirty="0" err="1">
-                <a:solidFill>
-                  <a:schemeClr val="dk1"/>
-                </a:solidFill>
-                <a:latin typeface="Consolas"/>
-              </a:rPr>
-              <a:t>BedDot</a:t>
-            </a:r>
-            <a:r>
-              <a:rPr lang="en-US" altLang="zh-CN" sz="1600" dirty="0">
-                <a:solidFill>
-                  <a:schemeClr val="dk1"/>
-                </a:solidFill>
-                <a:latin typeface="Consolas"/>
-              </a:rPr>
-              <a:t> device, requiring high-quality writing.</a:t>
+              <a:t> The paper focuses on a specific point; </a:t>
             </a:r>
           </a:p>
           <a:p>
@@ -11894,7 +11876,25 @@
                 </a:solidFill>
                 <a:latin typeface="Consolas"/>
               </a:rPr>
-              <a:t> The algorithm may not be particularly innovative given the current circumstances.</a:t>
+              <a:t> The innovation in the algorithm should outweigh that of the </a:t>
+            </a:r>
+            <a:r>
+              <a:rPr lang="en-US" altLang="zh-CN" sz="1600" dirty="0" err="1">
+                <a:solidFill>
+                  <a:schemeClr val="dk1"/>
+                </a:solidFill>
+                <a:latin typeface="Consolas"/>
+              </a:rPr>
+              <a:t>BedDot</a:t>
+            </a:r>
+            <a:r>
+              <a:rPr lang="en-US" altLang="zh-CN" sz="1600" dirty="0">
+                <a:solidFill>
+                  <a:schemeClr val="dk1"/>
+                </a:solidFill>
+                <a:latin typeface="Consolas"/>
+              </a:rPr>
+              <a:t> device, requiring high-quality writing. The algorithm may not be particularly innovative.</a:t>
             </a:r>
           </a:p>
         </p:txBody>
@@ -13849,7 +13849,7 @@
         </p:blipFill>
         <p:spPr>
           <a:xfrm>
-            <a:off x="4027892" y="3820186"/>
+            <a:off x="4073988" y="3429000"/>
             <a:ext cx="4136215" cy="2757477"/>
           </a:xfrm>
           <a:prstGeom prst="rect">
@@ -13879,7 +13879,7 @@
         </p:blipFill>
         <p:spPr>
           <a:xfrm>
-            <a:off x="8009689" y="3820186"/>
+            <a:off x="8055785" y="3429000"/>
             <a:ext cx="4136215" cy="2757477"/>
           </a:xfrm>
           <a:prstGeom prst="rect">
@@ -13908,7 +13908,7 @@
         </p:blipFill>
         <p:spPr>
           <a:xfrm>
-            <a:off x="86904" y="3820186"/>
+            <a:off x="133000" y="3429000"/>
             <a:ext cx="3980466" cy="2757477"/>
           </a:xfrm>
           <a:prstGeom prst="rect">
@@ -13938,7 +13938,7 @@
         </p:blipFill>
         <p:spPr>
           <a:xfrm>
-            <a:off x="3955331" y="964746"/>
+            <a:off x="4001427" y="573560"/>
             <a:ext cx="4281337" cy="2854224"/>
           </a:xfrm>
           <a:prstGeom prst="rect">
@@ -13968,7 +13968,7 @@
         </p:blipFill>
         <p:spPr>
           <a:xfrm>
-            <a:off x="7910663" y="965961"/>
+            <a:off x="7956759" y="574775"/>
             <a:ext cx="4281337" cy="2854225"/>
           </a:xfrm>
           <a:prstGeom prst="rect">
@@ -13998,7 +13998,7 @@
         </p:blipFill>
         <p:spPr>
           <a:xfrm>
-            <a:off x="46096" y="963530"/>
+            <a:off x="92192" y="572344"/>
             <a:ext cx="4154275" cy="2854225"/>
           </a:xfrm>
           <a:prstGeom prst="rect">
@@ -14020,7 +14020,7 @@
         </p:nvSpPr>
         <p:spPr>
           <a:xfrm>
-            <a:off x="8209892" y="562509"/>
+            <a:off x="8209892" y="369332"/>
             <a:ext cx="3682878" cy="338554"/>
           </a:xfrm>
           <a:prstGeom prst="rect">
@@ -14067,7 +14067,7 @@
         </p:nvSpPr>
         <p:spPr>
           <a:xfrm>
-            <a:off x="4353507" y="562509"/>
+            <a:off x="4353507" y="369332"/>
             <a:ext cx="3484983" cy="338554"/>
           </a:xfrm>
           <a:prstGeom prst="rect">
@@ -14114,7 +14114,7 @@
         </p:nvSpPr>
         <p:spPr>
           <a:xfrm>
-            <a:off x="1260152" y="562509"/>
+            <a:off x="1260152" y="369332"/>
             <a:ext cx="1955799" cy="338554"/>
           </a:xfrm>
           <a:prstGeom prst="rect">
@@ -14145,7 +14145,7 @@
                 </a:solidFill>
                 <a:latin typeface="Consolas"/>
               </a:rPr>
-              <a:t>(77)</a:t>
+              <a:t> (77)</a:t>
             </a:r>
             <a:endParaRPr lang="zh-CN" altLang="en-US" sz="1600" dirty="0">
               <a:solidFill>
@@ -14153,6 +14153,73 @@
               </a:solidFill>
               <a:latin typeface="Consolas"/>
             </a:endParaRPr>
+          </a:p>
+        </p:txBody>
+      </p:sp>
+      <p:sp>
+        <p:nvSpPr>
+          <p:cNvPr id="3" name="文本框 2">
+            <a:extLst>
+              <a:ext uri="{FF2B5EF4-FFF2-40B4-BE49-F238E27FC236}">
+                <a16:creationId xmlns:a16="http://schemas.microsoft.com/office/drawing/2014/main" id="{80FDA28C-00ED-7316-E8C2-F4D595FDD2D8}"/>
+              </a:ext>
+            </a:extLst>
+          </p:cNvPr>
+          <p:cNvSpPr txBox="1"/>
+          <p:nvPr/>
+        </p:nvSpPr>
+        <p:spPr>
+          <a:xfrm>
+            <a:off x="195943" y="6180238"/>
+            <a:ext cx="11909153" cy="584775"/>
+          </a:xfrm>
+          <a:prstGeom prst="rect">
+            <a:avLst/>
+          </a:prstGeom>
+          <a:noFill/>
+        </p:spPr>
+        <p:txBody>
+          <a:bodyPr wrap="square">
+            <a:spAutoFit/>
+          </a:bodyPr>
+          <a:lstStyle/>
+          <a:p>
+            <a:r>
+              <a:rPr lang="en-US" altLang="zh-CN" sz="1600" b="1" u="sng" dirty="0">
+                <a:solidFill>
+                  <a:schemeClr val="dk1"/>
+                </a:solidFill>
+                <a:latin typeface="Consolas"/>
+              </a:rPr>
+              <a:t>Conclusion: </a:t>
+            </a:r>
+            <a:r>
+              <a:rPr lang="zh-CN" altLang="en-US" sz="1600" b="1" u="sng" dirty="0">
+                <a:solidFill>
+                  <a:schemeClr val="dk1"/>
+                </a:solidFill>
+                <a:latin typeface="Consolas"/>
+              </a:rPr>
+              <a:t>The template-based algorithm shows significant advantages over existing algorithms.</a:t>
+            </a:r>
+            <a:r>
+              <a:rPr lang="en-US" altLang="zh-CN" sz="1600" b="1" u="sng" dirty="0">
+                <a:solidFill>
+                  <a:schemeClr val="dk1"/>
+                </a:solidFill>
+                <a:latin typeface="Consolas"/>
+              </a:rPr>
+              <a:t> Moreover</a:t>
+            </a:r>
+            <a:r>
+              <a:rPr lang="zh-CN" altLang="en-US" sz="1600" b="1" u="sng" dirty="0">
+                <a:solidFill>
+                  <a:schemeClr val="dk1"/>
+                </a:solidFill>
+                <a:latin typeface="Consolas"/>
+              </a:rPr>
+              <a:t>, further algorithm refinement is needed to reduce extreme values.</a:t>
+            </a:r>
           </a:p>
         </p:txBody>
       </p:sp>
@@ -14201,14 +14268,14 @@
           <p:nvPr>
             <p:extLst>
               <p:ext uri="{D42A27DB-BD31-4B8C-83A1-F6EECF244321}">
-                <p14:modId xmlns:p14="http://schemas.microsoft.com/office/powerpoint/2010/main" val="466255826"/>
+                <p14:modId xmlns:p14="http://schemas.microsoft.com/office/powerpoint/2010/main" val="3124705292"/>
               </p:ext>
             </p:extLst>
           </p:nvPr>
         </p:nvGraphicFramePr>
         <p:xfrm>
-          <a:off x="3037650" y="1045427"/>
-          <a:ext cx="5787755" cy="1432560"/>
+          <a:off x="2980486" y="706703"/>
+          <a:ext cx="6231027" cy="1432560"/>
         </p:xfrm>
         <a:graphic>
           <a:graphicData uri="http://schemas.openxmlformats.org/drawingml/2006/table">
@@ -14217,7 +14284,7 @@
                 <a:tableStyleId>{AB4F9DF2-0438-42AD-B170-30067649D97E}</a:tableStyleId>
               </a:tblPr>
               <a:tblGrid>
-                <a:gridCol w="773655">
+                <a:gridCol w="970280">
                   <a:extLst>
                     <a:ext uri="{9D8B030D-6E8A-4147-A177-3AD203B41FA5}">
                       <a16:colId xmlns:a16="http://schemas.microsoft.com/office/drawing/2014/main" val="1048926370"/>
@@ -14238,7 +14305,7 @@
                     </a:ext>
                   </a:extLst>
                 </a:gridCol>
-                <a:gridCol w="2187715">
+                <a:gridCol w="2434362">
                   <a:extLst>
                     <a:ext uri="{9D8B030D-6E8A-4147-A177-3AD203B41FA5}">
                       <a16:colId xmlns:a16="http://schemas.microsoft.com/office/drawing/2014/main" val="2986657939"/>
@@ -14761,7 +14828,7 @@
         <p:spPr>
           <a:xfrm>
             <a:off x="0" y="0"/>
-            <a:ext cx="2002118" cy="369332"/>
+            <a:ext cx="4129940" cy="369332"/>
           </a:xfrm>
           <a:prstGeom prst="rect">
             <a:avLst/>
@@ -14785,7 +14852,7 @@
                 <a:cs typeface="Consolas"/>
                 <a:sym typeface="Consolas"/>
               </a:rPr>
-              <a:t>IBI Prediction</a:t>
+              <a:t>IBI Prediction on Simulated SCG</a:t>
             </a:r>
             <a:endParaRPr lang="zh-CN" altLang="en-US" sz="1800" dirty="0"/>
           </a:p>
@@ -14813,7 +14880,7 @@
         </p:blipFill>
         <p:spPr>
           <a:xfrm>
-            <a:off x="6281927" y="3204881"/>
+            <a:off x="6369012" y="2588024"/>
             <a:ext cx="5486400" cy="3657600"/>
           </a:xfrm>
           <a:prstGeom prst="rect">
@@ -14843,7 +14910,7 @@
         </p:blipFill>
         <p:spPr>
           <a:xfrm>
-            <a:off x="609600" y="3154082"/>
+            <a:off x="696685" y="2537225"/>
             <a:ext cx="5486400" cy="3657600"/>
           </a:xfrm>
           <a:prstGeom prst="rect">
@@ -14851,6 +14918,160 @@
           </a:prstGeom>
         </p:spPr>
       </p:pic>
+      <p:sp>
+        <p:nvSpPr>
+          <p:cNvPr id="4" name="文本框 3">
+            <a:extLst>
+              <a:ext uri="{FF2B5EF4-FFF2-40B4-BE49-F238E27FC236}">
+                <a16:creationId xmlns:a16="http://schemas.microsoft.com/office/drawing/2014/main" id="{445B2483-5CDB-3A1A-4FB7-64A6083DAFB8}"/>
+              </a:ext>
+            </a:extLst>
+          </p:cNvPr>
+          <p:cNvSpPr txBox="1"/>
+          <p:nvPr/>
+        </p:nvSpPr>
+        <p:spPr>
+          <a:xfrm>
+            <a:off x="1782028" y="2367948"/>
+            <a:ext cx="3315713" cy="338554"/>
+          </a:xfrm>
+          <a:prstGeom prst="rect">
+            <a:avLst/>
+          </a:prstGeom>
+          <a:noFill/>
+        </p:spPr>
+        <p:txBody>
+          <a:bodyPr wrap="square">
+            <a:spAutoFit/>
+          </a:bodyPr>
+          <a:lstStyle/>
+          <a:p>
+            <a:pPr marL="0" marR="0" lvl="0" indent="0" algn="ctr" defTabSz="914400" rtl="0" eaLnBrk="1" fontAlgn="auto" latinLnBrk="0" hangingPunct="1">
+              <a:lnSpc>
+                <a:spcPct val="100000"/>
+              </a:lnSpc>
+              <a:spcBef>
+                <a:spcPts val="0"/>
+              </a:spcBef>
+              <a:spcAft>
+                <a:spcPts val="0"/>
+              </a:spcAft>
+              <a:buClr>
+                <a:srgbClr val="000000"/>
+              </a:buClr>
+              <a:buSzTx/>
+              <a:buFont typeface="Arial"/>
+              <a:buNone/>
+              <a:tabLst/>
+              <a:defRPr/>
+            </a:pPr>
+            <a:r>
+              <a:rPr lang="en-US" altLang="zh-CN" sz="1600" dirty="0">
+                <a:solidFill>
+                  <a:schemeClr val="dk1"/>
+                </a:solidFill>
+                <a:latin typeface="Consolas"/>
+              </a:rPr>
+              <a:t>HR ranging from 50 to 150</a:t>
+            </a:r>
+            <a:endParaRPr lang="zh-CN" altLang="en-US" sz="1600" dirty="0">
+              <a:solidFill>
+                <a:schemeClr val="dk1"/>
+              </a:solidFill>
+              <a:latin typeface="Consolas"/>
+            </a:endParaRPr>
+          </a:p>
+        </p:txBody>
+      </p:sp>
+      <p:sp>
+        <p:nvSpPr>
+          <p:cNvPr id="7" name="文本框 6">
+            <a:extLst>
+              <a:ext uri="{FF2B5EF4-FFF2-40B4-BE49-F238E27FC236}">
+                <a16:creationId xmlns:a16="http://schemas.microsoft.com/office/drawing/2014/main" id="{2DFB900E-9C05-2C14-5ED9-B51AF9BE778D}"/>
+              </a:ext>
+            </a:extLst>
+          </p:cNvPr>
+          <p:cNvSpPr txBox="1"/>
+          <p:nvPr/>
+        </p:nvSpPr>
+        <p:spPr>
+          <a:xfrm>
+            <a:off x="7661459" y="2379929"/>
+            <a:ext cx="3274278" cy="338554"/>
+          </a:xfrm>
+          <a:prstGeom prst="rect">
+            <a:avLst/>
+          </a:prstGeom>
+          <a:noFill/>
+        </p:spPr>
+        <p:txBody>
+          <a:bodyPr wrap="square">
+            <a:spAutoFit/>
+          </a:bodyPr>
+          <a:lstStyle/>
+          <a:p>
+            <a:pPr lvl="1" algn="ctr">
+              <a:defRPr/>
+            </a:pPr>
+            <a:r>
+              <a:rPr lang="en-US" altLang="zh-CN" sz="1600" dirty="0">
+                <a:solidFill>
+                  <a:schemeClr val="dk1"/>
+                </a:solidFill>
+                <a:latin typeface="Consolas"/>
+              </a:rPr>
+              <a:t>HR ranging from 50 to 105</a:t>
+            </a:r>
+            <a:endParaRPr lang="zh-CN" altLang="en-US" sz="1600" dirty="0">
+              <a:solidFill>
+                <a:schemeClr val="dk1"/>
+              </a:solidFill>
+              <a:latin typeface="Consolas"/>
+            </a:endParaRPr>
+          </a:p>
+        </p:txBody>
+      </p:sp>
+      <p:sp>
+        <p:nvSpPr>
+          <p:cNvPr id="10" name="文本框 9">
+            <a:extLst>
+              <a:ext uri="{FF2B5EF4-FFF2-40B4-BE49-F238E27FC236}">
+                <a16:creationId xmlns:a16="http://schemas.microsoft.com/office/drawing/2014/main" id="{9AB840CF-2799-9B83-9347-A5B1712A1C79}"/>
+              </a:ext>
+            </a:extLst>
+          </p:cNvPr>
+          <p:cNvSpPr txBox="1"/>
+          <p:nvPr/>
+        </p:nvSpPr>
+        <p:spPr>
+          <a:xfrm>
+            <a:off x="925248" y="6284442"/>
+            <a:ext cx="10887528" cy="338554"/>
+          </a:xfrm>
+          <a:prstGeom prst="rect">
+            <a:avLst/>
+          </a:prstGeom>
+          <a:noFill/>
+        </p:spPr>
+        <p:txBody>
+          <a:bodyPr wrap="square">
+            <a:spAutoFit/>
+          </a:bodyPr>
+          <a:lstStyle/>
+          <a:p>
+            <a:r>
+              <a:rPr lang="en-US" altLang="zh-CN" sz="1600" b="1" u="sng" dirty="0">
+                <a:solidFill>
+                  <a:schemeClr val="dk1"/>
+                </a:solidFill>
+                <a:latin typeface="Consolas"/>
+              </a:rPr>
+              <a:t>Conclusion: Preliminary evidence demonstrates the universality across multiple types of signals.</a:t>
+            </a:r>
+          </a:p>
+        </p:txBody>
+      </p:sp>
     </p:spTree>
     <p:extLst>
       <p:ext uri="{BB962C8B-B14F-4D97-AF65-F5344CB8AC3E}">
@@ -14896,13 +15117,13 @@
           <p:nvPr>
             <p:extLst>
               <p:ext uri="{D42A27DB-BD31-4B8C-83A1-F6EECF244321}">
-                <p14:modId xmlns:p14="http://schemas.microsoft.com/office/powerpoint/2010/main" val="941267691"/>
+                <p14:modId xmlns:p14="http://schemas.microsoft.com/office/powerpoint/2010/main" val="1213486366"/>
               </p:ext>
             </p:extLst>
           </p:nvPr>
         </p:nvGraphicFramePr>
         <p:xfrm>
-          <a:off x="749654" y="1241487"/>
+          <a:off x="715485" y="1023484"/>
           <a:ext cx="10326690" cy="2614508"/>
         </p:xfrm>
         <a:graphic>
@@ -16931,7 +17152,7 @@
         </p:nvSpPr>
         <p:spPr>
           <a:xfrm>
-            <a:off x="681317" y="4135718"/>
+            <a:off x="647148" y="4129662"/>
             <a:ext cx="10395027" cy="2308324"/>
           </a:xfrm>
           <a:prstGeom prst="rect">
@@ -17093,12 +17314,70 @@
           <a:chExt cx="0" cy="0"/>
         </a:xfrm>
       </p:grpSpPr>
+      <p:pic>
+        <p:nvPicPr>
+          <p:cNvPr id="4" name="图片 3">
+            <a:extLst>
+              <a:ext uri="{FF2B5EF4-FFF2-40B4-BE49-F238E27FC236}">
+                <a16:creationId xmlns:a16="http://schemas.microsoft.com/office/drawing/2014/main" id="{363C0476-2747-D517-C36B-FE301D8BC2E3}"/>
+              </a:ext>
+            </a:extLst>
+          </p:cNvPr>
+          <p:cNvPicPr>
+            <a:picLocks noChangeAspect="1"/>
+          </p:cNvPicPr>
+          <p:nvPr/>
+        </p:nvPicPr>
+        <p:blipFill rotWithShape="1">
+          <a:blip r:embed="rId3"/>
+          <a:srcRect r="7978"/>
+          <a:stretch/>
+        </p:blipFill>
+        <p:spPr>
+          <a:xfrm>
+            <a:off x="5859699" y="310556"/>
+            <a:ext cx="4196923" cy="3040529"/>
+          </a:xfrm>
+          <a:prstGeom prst="rect">
+            <a:avLst/>
+          </a:prstGeom>
+        </p:spPr>
+      </p:pic>
+      <p:pic>
+        <p:nvPicPr>
+          <p:cNvPr id="15" name="图片 14">
+            <a:extLst>
+              <a:ext uri="{FF2B5EF4-FFF2-40B4-BE49-F238E27FC236}">
+                <a16:creationId xmlns:a16="http://schemas.microsoft.com/office/drawing/2014/main" id="{0C72DDAA-4988-30A2-E8CE-3ADE0DD7FE9B}"/>
+              </a:ext>
+            </a:extLst>
+          </p:cNvPr>
+          <p:cNvPicPr>
+            <a:picLocks noChangeAspect="1"/>
+          </p:cNvPicPr>
+          <p:nvPr/>
+        </p:nvPicPr>
+        <p:blipFill rotWithShape="1">
+          <a:blip r:embed="rId4"/>
+          <a:srcRect r="8489"/>
+          <a:stretch/>
+        </p:blipFill>
+        <p:spPr>
+          <a:xfrm>
+            <a:off x="5821599" y="3359006"/>
+            <a:ext cx="4224938" cy="3077883"/>
+          </a:xfrm>
+          <a:prstGeom prst="rect">
+            <a:avLst/>
+          </a:prstGeom>
+        </p:spPr>
+      </p:pic>
       <p:sp>
         <p:nvSpPr>
-          <p:cNvPr id="6" name="文本框 5">
+          <p:cNvPr id="2" name="文本框 1">
             <a:extLst>
               <a:ext uri="{FF2B5EF4-FFF2-40B4-BE49-F238E27FC236}">
-                <a16:creationId xmlns:a16="http://schemas.microsoft.com/office/drawing/2014/main" id="{A73BCD33-CDDD-896C-47AD-82746EEE70D3}"/>
+                <a16:creationId xmlns:a16="http://schemas.microsoft.com/office/drawing/2014/main" id="{B8920E6F-46F1-50C3-C0BF-AA7DF4E0E0E3}"/>
               </a:ext>
             </a:extLst>
           </p:cNvPr>
@@ -17132,18 +17411,382 @@
                 <a:cs typeface="Consolas"/>
                 <a:sym typeface="Consolas"/>
               </a:rPr>
-              <a:t>IBI Prediction</a:t>
+              <a:t>HR Estimation</a:t>
             </a:r>
             <a:endParaRPr lang="zh-CN" altLang="en-US" sz="1800" dirty="0"/>
           </a:p>
         </p:txBody>
       </p:sp>
+      <p:sp>
+        <p:nvSpPr>
+          <p:cNvPr id="16" name="矩形 15">
+            <a:extLst>
+              <a:ext uri="{FF2B5EF4-FFF2-40B4-BE49-F238E27FC236}">
+                <a16:creationId xmlns:a16="http://schemas.microsoft.com/office/drawing/2014/main" id="{F7EF5413-5F6D-535F-56BA-8264A0E88CFE}"/>
+              </a:ext>
+            </a:extLst>
+          </p:cNvPr>
+          <p:cNvSpPr/>
+          <p:nvPr/>
+        </p:nvSpPr>
+        <p:spPr>
+          <a:xfrm>
+            <a:off x="6884338" y="6105256"/>
+            <a:ext cx="124691" cy="138546"/>
+          </a:xfrm>
+          <a:prstGeom prst="rect">
+            <a:avLst/>
+          </a:prstGeom>
+          <a:solidFill>
+            <a:schemeClr val="bg1"/>
+          </a:solidFill>
+          <a:ln>
+            <a:noFill/>
+          </a:ln>
+        </p:spPr>
+        <p:style>
+          <a:lnRef idx="2">
+            <a:schemeClr val="accent1">
+              <a:shade val="15000"/>
+            </a:schemeClr>
+          </a:lnRef>
+          <a:fillRef idx="1">
+            <a:schemeClr val="accent1"/>
+          </a:fillRef>
+          <a:effectRef idx="0">
+            <a:schemeClr val="accent1"/>
+          </a:effectRef>
+          <a:fontRef idx="minor">
+            <a:schemeClr val="lt1"/>
+          </a:fontRef>
+        </p:style>
+        <p:txBody>
+          <a:bodyPr rtlCol="0" anchor="ctr"/>
+          <a:lstStyle/>
+          <a:p>
+            <a:pPr algn="ctr"/>
+            <a:endParaRPr lang="zh-CN" altLang="en-US"/>
+          </a:p>
+        </p:txBody>
+      </p:sp>
+      <p:sp>
+        <p:nvSpPr>
+          <p:cNvPr id="17" name="矩形 16">
+            <a:extLst>
+              <a:ext uri="{FF2B5EF4-FFF2-40B4-BE49-F238E27FC236}">
+                <a16:creationId xmlns:a16="http://schemas.microsoft.com/office/drawing/2014/main" id="{30ECC144-BD29-3E3B-F0B4-C18BBA18B456}"/>
+              </a:ext>
+            </a:extLst>
+          </p:cNvPr>
+          <p:cNvSpPr/>
+          <p:nvPr/>
+        </p:nvSpPr>
+        <p:spPr>
+          <a:xfrm>
+            <a:off x="7415303" y="6081444"/>
+            <a:ext cx="124691" cy="138546"/>
+          </a:xfrm>
+          <a:prstGeom prst="rect">
+            <a:avLst/>
+          </a:prstGeom>
+          <a:solidFill>
+            <a:schemeClr val="bg1"/>
+          </a:solidFill>
+          <a:ln>
+            <a:noFill/>
+          </a:ln>
+        </p:spPr>
+        <p:style>
+          <a:lnRef idx="2">
+            <a:schemeClr val="accent1">
+              <a:shade val="15000"/>
+            </a:schemeClr>
+          </a:lnRef>
+          <a:fillRef idx="1">
+            <a:schemeClr val="accent1"/>
+          </a:fillRef>
+          <a:effectRef idx="0">
+            <a:schemeClr val="accent1"/>
+          </a:effectRef>
+          <a:fontRef idx="minor">
+            <a:schemeClr val="lt1"/>
+          </a:fontRef>
+        </p:style>
+        <p:txBody>
+          <a:bodyPr rtlCol="0" anchor="ctr"/>
+          <a:lstStyle/>
+          <a:p>
+            <a:pPr algn="ctr"/>
+            <a:endParaRPr lang="zh-CN" altLang="en-US"/>
+          </a:p>
+        </p:txBody>
+      </p:sp>
+      <p:sp>
+        <p:nvSpPr>
+          <p:cNvPr id="18" name="矩形 17">
+            <a:extLst>
+              <a:ext uri="{FF2B5EF4-FFF2-40B4-BE49-F238E27FC236}">
+                <a16:creationId xmlns:a16="http://schemas.microsoft.com/office/drawing/2014/main" id="{B51E5B6B-71FC-A913-C904-2604D6C77FD8}"/>
+              </a:ext>
+            </a:extLst>
+          </p:cNvPr>
+          <p:cNvSpPr/>
+          <p:nvPr/>
+        </p:nvSpPr>
+        <p:spPr>
+          <a:xfrm>
+            <a:off x="7927493" y="6090968"/>
+            <a:ext cx="124691" cy="138546"/>
+          </a:xfrm>
+          <a:prstGeom prst="rect">
+            <a:avLst/>
+          </a:prstGeom>
+          <a:solidFill>
+            <a:schemeClr val="bg1"/>
+          </a:solidFill>
+          <a:ln>
+            <a:noFill/>
+          </a:ln>
+        </p:spPr>
+        <p:style>
+          <a:lnRef idx="2">
+            <a:schemeClr val="accent1">
+              <a:shade val="15000"/>
+            </a:schemeClr>
+          </a:lnRef>
+          <a:fillRef idx="1">
+            <a:schemeClr val="accent1"/>
+          </a:fillRef>
+          <a:effectRef idx="0">
+            <a:schemeClr val="accent1"/>
+          </a:effectRef>
+          <a:fontRef idx="minor">
+            <a:schemeClr val="lt1"/>
+          </a:fontRef>
+        </p:style>
+        <p:txBody>
+          <a:bodyPr rtlCol="0" anchor="ctr"/>
+          <a:lstStyle/>
+          <a:p>
+            <a:pPr algn="ctr"/>
+            <a:endParaRPr lang="zh-CN" altLang="en-US"/>
+          </a:p>
+        </p:txBody>
+      </p:sp>
+      <p:sp>
+        <p:nvSpPr>
+          <p:cNvPr id="19" name="矩形 18">
+            <a:extLst>
+              <a:ext uri="{FF2B5EF4-FFF2-40B4-BE49-F238E27FC236}">
+                <a16:creationId xmlns:a16="http://schemas.microsoft.com/office/drawing/2014/main" id="{2CBF2829-692D-2B06-8938-2774B91026D5}"/>
+              </a:ext>
+            </a:extLst>
+          </p:cNvPr>
+          <p:cNvSpPr/>
+          <p:nvPr/>
+        </p:nvSpPr>
+        <p:spPr>
+          <a:xfrm>
+            <a:off x="8458458" y="6090968"/>
+            <a:ext cx="124691" cy="138546"/>
+          </a:xfrm>
+          <a:prstGeom prst="rect">
+            <a:avLst/>
+          </a:prstGeom>
+          <a:solidFill>
+            <a:schemeClr val="bg1"/>
+          </a:solidFill>
+          <a:ln>
+            <a:noFill/>
+          </a:ln>
+        </p:spPr>
+        <p:style>
+          <a:lnRef idx="2">
+            <a:schemeClr val="accent1">
+              <a:shade val="15000"/>
+            </a:schemeClr>
+          </a:lnRef>
+          <a:fillRef idx="1">
+            <a:schemeClr val="accent1"/>
+          </a:fillRef>
+          <a:effectRef idx="0">
+            <a:schemeClr val="accent1"/>
+          </a:effectRef>
+          <a:fontRef idx="minor">
+            <a:schemeClr val="lt1"/>
+          </a:fontRef>
+        </p:style>
+        <p:txBody>
+          <a:bodyPr rtlCol="0" anchor="ctr"/>
+          <a:lstStyle/>
+          <a:p>
+            <a:pPr algn="ctr"/>
+            <a:endParaRPr lang="zh-CN" altLang="en-US"/>
+          </a:p>
+        </p:txBody>
+      </p:sp>
+      <p:sp>
+        <p:nvSpPr>
+          <p:cNvPr id="20" name="矩形 19">
+            <a:extLst>
+              <a:ext uri="{FF2B5EF4-FFF2-40B4-BE49-F238E27FC236}">
+                <a16:creationId xmlns:a16="http://schemas.microsoft.com/office/drawing/2014/main" id="{934C9D76-A82F-2BC6-F3DC-6A0AD50F8CE6}"/>
+              </a:ext>
+            </a:extLst>
+          </p:cNvPr>
+          <p:cNvSpPr/>
+          <p:nvPr/>
+        </p:nvSpPr>
+        <p:spPr>
+          <a:xfrm>
+            <a:off x="8970648" y="6090968"/>
+            <a:ext cx="124691" cy="138546"/>
+          </a:xfrm>
+          <a:prstGeom prst="rect">
+            <a:avLst/>
+          </a:prstGeom>
+          <a:solidFill>
+            <a:schemeClr val="bg1"/>
+          </a:solidFill>
+          <a:ln>
+            <a:noFill/>
+          </a:ln>
+        </p:spPr>
+        <p:style>
+          <a:lnRef idx="2">
+            <a:schemeClr val="accent1">
+              <a:shade val="15000"/>
+            </a:schemeClr>
+          </a:lnRef>
+          <a:fillRef idx="1">
+            <a:schemeClr val="accent1"/>
+          </a:fillRef>
+          <a:effectRef idx="0">
+            <a:schemeClr val="accent1"/>
+          </a:effectRef>
+          <a:fontRef idx="minor">
+            <a:schemeClr val="lt1"/>
+          </a:fontRef>
+        </p:style>
+        <p:txBody>
+          <a:bodyPr rtlCol="0" anchor="ctr"/>
+          <a:lstStyle/>
+          <a:p>
+            <a:pPr algn="ctr"/>
+            <a:endParaRPr lang="zh-CN" altLang="en-US"/>
+          </a:p>
+        </p:txBody>
+      </p:sp>
+      <p:sp>
+        <p:nvSpPr>
+          <p:cNvPr id="21" name="矩形 20">
+            <a:extLst>
+              <a:ext uri="{FF2B5EF4-FFF2-40B4-BE49-F238E27FC236}">
+                <a16:creationId xmlns:a16="http://schemas.microsoft.com/office/drawing/2014/main" id="{CB04A2E7-F2E9-F93A-E8A1-0A3D8227D0D9}"/>
+              </a:ext>
+            </a:extLst>
+          </p:cNvPr>
+          <p:cNvSpPr/>
+          <p:nvPr/>
+        </p:nvSpPr>
+        <p:spPr>
+          <a:xfrm>
+            <a:off x="9493182" y="6097636"/>
+            <a:ext cx="124691" cy="138546"/>
+          </a:xfrm>
+          <a:prstGeom prst="rect">
+            <a:avLst/>
+          </a:prstGeom>
+          <a:solidFill>
+            <a:schemeClr val="bg1"/>
+          </a:solidFill>
+          <a:ln>
+            <a:noFill/>
+          </a:ln>
+        </p:spPr>
+        <p:style>
+          <a:lnRef idx="2">
+            <a:schemeClr val="accent1">
+              <a:shade val="15000"/>
+            </a:schemeClr>
+          </a:lnRef>
+          <a:fillRef idx="1">
+            <a:schemeClr val="accent1"/>
+          </a:fillRef>
+          <a:effectRef idx="0">
+            <a:schemeClr val="accent1"/>
+          </a:effectRef>
+          <a:fontRef idx="minor">
+            <a:schemeClr val="lt1"/>
+          </a:fontRef>
+        </p:style>
+        <p:txBody>
+          <a:bodyPr rtlCol="0" anchor="ctr"/>
+          <a:lstStyle/>
+          <a:p>
+            <a:pPr algn="ctr"/>
+            <a:endParaRPr lang="zh-CN" altLang="en-US"/>
+          </a:p>
+        </p:txBody>
+      </p:sp>
+      <p:sp>
+        <p:nvSpPr>
+          <p:cNvPr id="23" name="矩形 22">
+            <a:extLst>
+              <a:ext uri="{FF2B5EF4-FFF2-40B4-BE49-F238E27FC236}">
+                <a16:creationId xmlns:a16="http://schemas.microsoft.com/office/drawing/2014/main" id="{6E1B2A3A-9F78-E35B-9D24-2FE1AE317374}"/>
+              </a:ext>
+            </a:extLst>
+          </p:cNvPr>
+          <p:cNvSpPr/>
+          <p:nvPr/>
+        </p:nvSpPr>
+        <p:spPr>
+          <a:xfrm>
+            <a:off x="7885702" y="6268075"/>
+            <a:ext cx="649830" cy="235620"/>
+          </a:xfrm>
+          <a:prstGeom prst="rect">
+            <a:avLst/>
+          </a:prstGeom>
+          <a:solidFill>
+            <a:schemeClr val="bg1"/>
+          </a:solidFill>
+          <a:ln>
+            <a:noFill/>
+          </a:ln>
+        </p:spPr>
+        <p:style>
+          <a:lnRef idx="2">
+            <a:schemeClr val="accent1">
+              <a:shade val="15000"/>
+            </a:schemeClr>
+          </a:lnRef>
+          <a:fillRef idx="1">
+            <a:schemeClr val="accent1"/>
+          </a:fillRef>
+          <a:effectRef idx="0">
+            <a:schemeClr val="accent1"/>
+          </a:effectRef>
+          <a:fontRef idx="minor">
+            <a:schemeClr val="lt1"/>
+          </a:fontRef>
+        </p:style>
+        <p:txBody>
+          <a:bodyPr rtlCol="0" anchor="ctr"/>
+          <a:lstStyle/>
+          <a:p>
+            <a:pPr algn="ctr"/>
+            <a:endParaRPr lang="zh-CN" altLang="en-US"/>
+          </a:p>
+        </p:txBody>
+      </p:sp>
       <p:pic>
         <p:nvPicPr>
-          <p:cNvPr id="4" name="图片 3">
+          <p:cNvPr id="25" name="图片 24">
             <a:extLst>
               <a:ext uri="{FF2B5EF4-FFF2-40B4-BE49-F238E27FC236}">
-                <a16:creationId xmlns:a16="http://schemas.microsoft.com/office/drawing/2014/main" id="{363C0476-2747-D517-C36B-FE301D8BC2E3}"/>
+                <a16:creationId xmlns:a16="http://schemas.microsoft.com/office/drawing/2014/main" id="{C871B828-4C6F-5F75-4878-25E7CBF281AE}"/>
               </a:ext>
             </a:extLst>
           </p:cNvPr>
@@ -17152,16 +17795,15 @@
           </p:cNvPicPr>
           <p:nvPr/>
         </p:nvPicPr>
-        <p:blipFill>
-          <a:blip r:embed="rId3"/>
-          <a:stretch>
-            <a:fillRect/>
-          </a:stretch>
+        <p:blipFill rotWithShape="1">
+          <a:blip r:embed="rId5"/>
+          <a:srcRect l="4069" r="5357"/>
+          <a:stretch/>
         </p:blipFill>
         <p:spPr>
           <a:xfrm>
-            <a:off x="6271559" y="313766"/>
-            <a:ext cx="4560794" cy="3040529"/>
+            <a:off x="1772505" y="407586"/>
+            <a:ext cx="4049094" cy="2793640"/>
           </a:xfrm>
           <a:prstGeom prst="rect">
             <a:avLst/>
@@ -17170,10 +17812,10 @@
       </p:pic>
       <p:pic>
         <p:nvPicPr>
-          <p:cNvPr id="7" name="图片 6">
+          <p:cNvPr id="27" name="图片 26">
             <a:extLst>
               <a:ext uri="{FF2B5EF4-FFF2-40B4-BE49-F238E27FC236}">
-                <a16:creationId xmlns:a16="http://schemas.microsoft.com/office/drawing/2014/main" id="{CD7DA195-DC96-A341-93D1-381D23A21396}"/>
+                <a16:creationId xmlns:a16="http://schemas.microsoft.com/office/drawing/2014/main" id="{536B68DB-4B09-D553-30AD-6D233A8EE4BA}"/>
               </a:ext>
             </a:extLst>
           </p:cNvPr>
@@ -17182,82 +17824,164 @@
           </p:cNvPicPr>
           <p:nvPr/>
         </p:nvPicPr>
-        <p:blipFill>
-          <a:blip r:embed="rId4"/>
-          <a:stretch>
-            <a:fillRect/>
-          </a:stretch>
+        <p:blipFill rotWithShape="1">
+          <a:blip r:embed="rId6"/>
+          <a:srcRect l="2306" r="5163"/>
+          <a:stretch/>
         </p:blipFill>
         <p:spPr>
           <a:xfrm>
-            <a:off x="1710765" y="264602"/>
-            <a:ext cx="4560794" cy="3040529"/>
+            <a:off x="1772505" y="3343329"/>
+            <a:ext cx="3916931" cy="3192936"/>
           </a:xfrm>
           <a:prstGeom prst="rect">
             <a:avLst/>
           </a:prstGeom>
         </p:spPr>
       </p:pic>
-      <p:pic>
-        <p:nvPicPr>
-          <p:cNvPr id="13" name="图片 12">
+      <p:sp>
+        <p:nvSpPr>
+          <p:cNvPr id="28" name="文本框 27">
             <a:extLst>
               <a:ext uri="{FF2B5EF4-FFF2-40B4-BE49-F238E27FC236}">
-                <a16:creationId xmlns:a16="http://schemas.microsoft.com/office/drawing/2014/main" id="{389F820E-6662-8C07-A38C-D7CF5BAB103E}"/>
+                <a16:creationId xmlns:a16="http://schemas.microsoft.com/office/drawing/2014/main" id="{EC7BC2C3-22D5-B0F1-CA4D-A0ED8BB2F408}"/>
               </a:ext>
             </a:extLst>
           </p:cNvPr>
-          <p:cNvPicPr>
-            <a:picLocks noChangeAspect="1"/>
-          </p:cNvPicPr>
+          <p:cNvSpPr txBox="1"/>
           <p:nvPr/>
-        </p:nvPicPr>
-        <p:blipFill>
-          <a:blip r:embed="rId5"/>
-          <a:stretch>
-            <a:fillRect/>
-          </a:stretch>
-        </p:blipFill>
+        </p:nvSpPr>
         <p:spPr>
           <a:xfrm>
-            <a:off x="1710765" y="3299226"/>
-            <a:ext cx="4560794" cy="3040529"/>
+            <a:off x="6281968" y="224052"/>
+            <a:ext cx="3682878" cy="338554"/>
           </a:xfrm>
           <a:prstGeom prst="rect">
             <a:avLst/>
           </a:prstGeom>
+          <a:noFill/>
         </p:spPr>
-      </p:pic>
-      <p:pic>
-        <p:nvPicPr>
-          <p:cNvPr id="15" name="图片 14">
+        <p:txBody>
+          <a:bodyPr wrap="square">
+            <a:spAutoFit/>
+          </a:bodyPr>
+          <a:lstStyle/>
+          <a:p>
+            <a:pPr algn="ctr"/>
+            <a:r>
+              <a:rPr lang="en-US" altLang="zh-CN" sz="1600" dirty="0">
+                <a:solidFill>
+                  <a:schemeClr val="dk1"/>
+                </a:solidFill>
+                <a:latin typeface="Consolas"/>
+              </a:rPr>
+              <a:t>Template-based Algo</a:t>
+            </a:r>
+            <a:endParaRPr lang="zh-CN" altLang="en-US" sz="1600" dirty="0">
+              <a:solidFill>
+                <a:schemeClr val="dk1"/>
+              </a:solidFill>
+              <a:latin typeface="Consolas"/>
+            </a:endParaRPr>
+          </a:p>
+        </p:txBody>
+      </p:sp>
+      <p:sp>
+        <p:nvSpPr>
+          <p:cNvPr id="30" name="文本框 29">
             <a:extLst>
               <a:ext uri="{FF2B5EF4-FFF2-40B4-BE49-F238E27FC236}">
-                <a16:creationId xmlns:a16="http://schemas.microsoft.com/office/drawing/2014/main" id="{0C72DDAA-4988-30A2-E8CE-3ADE0DD7FE9B}"/>
+                <a16:creationId xmlns:a16="http://schemas.microsoft.com/office/drawing/2014/main" id="{E1993314-7706-18A1-D5B6-44DB1F5F3806}"/>
               </a:ext>
             </a:extLst>
           </p:cNvPr>
-          <p:cNvPicPr>
-            <a:picLocks noChangeAspect="1"/>
-          </p:cNvPicPr>
+          <p:cNvSpPr txBox="1"/>
           <p:nvPr/>
-        </p:nvPicPr>
-        <p:blipFill>
-          <a:blip r:embed="rId6"/>
-          <a:stretch>
-            <a:fillRect/>
-          </a:stretch>
-        </p:blipFill>
+        </p:nvSpPr>
         <p:spPr>
           <a:xfrm>
-            <a:off x="6243544" y="3305131"/>
-            <a:ext cx="4616824" cy="3077883"/>
+            <a:off x="2771603" y="145232"/>
+            <a:ext cx="2481537" cy="338554"/>
           </a:xfrm>
           <a:prstGeom prst="rect">
             <a:avLst/>
           </a:prstGeom>
+          <a:noFill/>
         </p:spPr>
-      </p:pic>
+        <p:txBody>
+          <a:bodyPr wrap="square">
+            <a:spAutoFit/>
+          </a:bodyPr>
+          <a:lstStyle/>
+          <a:p>
+            <a:pPr algn="ctr"/>
+            <a:r>
+              <a:rPr lang="en-US" altLang="zh-CN" sz="1600" dirty="0" err="1">
+                <a:solidFill>
+                  <a:schemeClr val="dk1"/>
+                </a:solidFill>
+                <a:latin typeface="Consolas"/>
+              </a:rPr>
+              <a:t>Yingjian</a:t>
+            </a:r>
+            <a:r>
+              <a:rPr lang="en-US" altLang="zh-CN" sz="1600" dirty="0">
+                <a:solidFill>
+                  <a:schemeClr val="dk1"/>
+                </a:solidFill>
+                <a:latin typeface="Consolas"/>
+              </a:rPr>
+              <a:t> IOT2023</a:t>
+            </a:r>
+            <a:endParaRPr lang="zh-CN" altLang="en-US" sz="1600" dirty="0">
+              <a:solidFill>
+                <a:schemeClr val="dk1"/>
+              </a:solidFill>
+              <a:latin typeface="Consolas"/>
+            </a:endParaRPr>
+          </a:p>
+        </p:txBody>
+      </p:sp>
+      <p:sp>
+        <p:nvSpPr>
+          <p:cNvPr id="32" name="文本框 31">
+            <a:extLst>
+              <a:ext uri="{FF2B5EF4-FFF2-40B4-BE49-F238E27FC236}">
+                <a16:creationId xmlns:a16="http://schemas.microsoft.com/office/drawing/2014/main" id="{1934134A-E9C5-8347-0F53-BCE77E2568C8}"/>
+              </a:ext>
+            </a:extLst>
+          </p:cNvPr>
+          <p:cNvSpPr txBox="1"/>
+          <p:nvPr/>
+        </p:nvSpPr>
+        <p:spPr>
+          <a:xfrm>
+            <a:off x="251783" y="6436889"/>
+            <a:ext cx="9559178" cy="338554"/>
+          </a:xfrm>
+          <a:prstGeom prst="rect">
+            <a:avLst/>
+          </a:prstGeom>
+          <a:noFill/>
+        </p:spPr>
+        <p:txBody>
+          <a:bodyPr wrap="square">
+            <a:spAutoFit/>
+          </a:bodyPr>
+          <a:lstStyle/>
+          <a:p>
+            <a:r>
+              <a:rPr lang="zh-CN" altLang="en-US" sz="1600" b="1" u="sng" dirty="0">
+                <a:solidFill>
+                  <a:schemeClr val="dk1"/>
+                </a:solidFill>
+                <a:latin typeface="Consolas"/>
+              </a:rPr>
+              <a:t>Conclusion: The template-based algorithm performs comparably to existing algorithms.</a:t>
+            </a:r>
+          </a:p>
+        </p:txBody>
+      </p:sp>
     </p:spTree>
     <p:extLst>
       <p:ext uri="{BB962C8B-B14F-4D97-AF65-F5344CB8AC3E}">
@@ -17890,8 +18614,8 @@
         </p:nvSpPr>
         <p:spPr>
           <a:xfrm>
-            <a:off x="5753849" y="1097260"/>
-            <a:ext cx="6336552" cy="1323439"/>
+            <a:off x="5753849" y="1155439"/>
+            <a:ext cx="6336552" cy="1815882"/>
           </a:xfrm>
           <a:prstGeom prst="rect">
             <a:avLst/>
@@ -17911,7 +18635,26 @@
                 </a:solidFill>
                 <a:latin typeface="Consolas"/>
               </a:rPr>
-              <a:t>Using Real-Time Heart Rate for signal alignment ensures that each cycle of the PPG signal corresponds to each cycle of the BSG signal. However, it cannot be used to extract features along the time axis, such as Pulse Transit Time (PTT), Pulse Arrival Time (PAT), etc.</a:t>
+              <a:t>Using Real-Time Heart Rate for signal alignment ensures that each cycle of the PPG signal corresponds to each cycle of the BSG signal. </a:t>
+            </a:r>
+          </a:p>
+          <a:p>
+            <a:endParaRPr lang="en-US" altLang="zh-CN" sz="1600" dirty="0">
+              <a:solidFill>
+                <a:schemeClr val="dk1"/>
+              </a:solidFill>
+              <a:latin typeface="Consolas"/>
+            </a:endParaRPr>
+          </a:p>
+          <a:p>
+            <a:r>
+              <a:rPr lang="en-US" altLang="zh-CN" sz="1600" dirty="0">
+                <a:solidFill>
+                  <a:schemeClr val="dk1"/>
+                </a:solidFill>
+                <a:latin typeface="Consolas"/>
+              </a:rPr>
+              <a:t>However, it cannot be used to extract features along the time axis, such as Pulse Transit Time (PTT), Pulse Arrival Time (PAT), etc.</a:t>
             </a:r>
             <a:endParaRPr lang="zh-CN" altLang="en-US" sz="1600" dirty="0">
               <a:solidFill>
